--- a/前処理R.pptx
+++ b/前処理R.pptx
@@ -211,7 +211,7 @@
           <a:p>
             <a:fld id="{EDBF7EE3-8E29-4944-8AF3-AAA0895DEB4E}" type="datetimeFigureOut">
               <a:rPr lang="en-US" smtClean="0"/>
-              <a:t>4/18/2022</a:t>
+              <a:t>4/22/2022</a:t>
             </a:fld>
             <a:endParaRPr lang="en-US"/>
           </a:p>
@@ -766,7 +766,7 @@
           <a:p>
             <a:fld id="{1E701332-7B78-47F5-85AF-A11E9833A56E}" type="datetimeFigureOut">
               <a:rPr lang="en-US" smtClean="0"/>
-              <a:t>4/18/2022</a:t>
+              <a:t>4/22/2022</a:t>
             </a:fld>
             <a:endParaRPr lang="en-US"/>
           </a:p>
@@ -998,7 +998,7 @@
           <a:p>
             <a:fld id="{1E701332-7B78-47F5-85AF-A11E9833A56E}" type="datetimeFigureOut">
               <a:rPr lang="en-US" smtClean="0"/>
-              <a:t>4/18/2022</a:t>
+              <a:t>4/22/2022</a:t>
             </a:fld>
             <a:endParaRPr lang="en-US"/>
           </a:p>
@@ -1240,7 +1240,7 @@
           <a:p>
             <a:fld id="{1E701332-7B78-47F5-85AF-A11E9833A56E}" type="datetimeFigureOut">
               <a:rPr lang="en-US" smtClean="0"/>
-              <a:t>4/18/2022</a:t>
+              <a:t>4/22/2022</a:t>
             </a:fld>
             <a:endParaRPr lang="en-US"/>
           </a:p>
@@ -1472,7 +1472,7 @@
           <a:p>
             <a:fld id="{1E701332-7B78-47F5-85AF-A11E9833A56E}" type="datetimeFigureOut">
               <a:rPr lang="en-US" smtClean="0"/>
-              <a:t>4/18/2022</a:t>
+              <a:t>4/22/2022</a:t>
             </a:fld>
             <a:endParaRPr lang="en-US"/>
           </a:p>
@@ -1748,7 +1748,7 @@
           <a:p>
             <a:fld id="{1E701332-7B78-47F5-85AF-A11E9833A56E}" type="datetimeFigureOut">
               <a:rPr lang="en-US" smtClean="0"/>
-              <a:t>4/18/2022</a:t>
+              <a:t>4/22/2022</a:t>
             </a:fld>
             <a:endParaRPr lang="en-US"/>
           </a:p>
@@ -2080,7 +2080,7 @@
           <a:p>
             <a:fld id="{1E701332-7B78-47F5-85AF-A11E9833A56E}" type="datetimeFigureOut">
               <a:rPr lang="en-US" smtClean="0"/>
-              <a:t>4/18/2022</a:t>
+              <a:t>4/22/2022</a:t>
             </a:fld>
             <a:endParaRPr lang="en-US"/>
           </a:p>
@@ -2559,7 +2559,7 @@
           <a:p>
             <a:fld id="{1E701332-7B78-47F5-85AF-A11E9833A56E}" type="datetimeFigureOut">
               <a:rPr lang="en-US" smtClean="0"/>
-              <a:t>4/18/2022</a:t>
+              <a:t>4/22/2022</a:t>
             </a:fld>
             <a:endParaRPr lang="en-US"/>
           </a:p>
@@ -2701,7 +2701,7 @@
           <a:p>
             <a:fld id="{1E701332-7B78-47F5-85AF-A11E9833A56E}" type="datetimeFigureOut">
               <a:rPr lang="en-US" smtClean="0"/>
-              <a:t>4/18/2022</a:t>
+              <a:t>4/22/2022</a:t>
             </a:fld>
             <a:endParaRPr lang="en-US"/>
           </a:p>
@@ -2814,7 +2814,7 @@
           <a:p>
             <a:fld id="{1E701332-7B78-47F5-85AF-A11E9833A56E}" type="datetimeFigureOut">
               <a:rPr lang="en-US" smtClean="0"/>
-              <a:t>4/18/2022</a:t>
+              <a:t>4/22/2022</a:t>
             </a:fld>
             <a:endParaRPr lang="en-US"/>
           </a:p>
@@ -3159,7 +3159,7 @@
           <a:p>
             <a:fld id="{1E701332-7B78-47F5-85AF-A11E9833A56E}" type="datetimeFigureOut">
               <a:rPr lang="en-US" smtClean="0"/>
-              <a:t>4/18/2022</a:t>
+              <a:t>4/22/2022</a:t>
             </a:fld>
             <a:endParaRPr lang="en-US"/>
           </a:p>
@@ -3448,7 +3448,7 @@
           <a:p>
             <a:fld id="{1E701332-7B78-47F5-85AF-A11E9833A56E}" type="datetimeFigureOut">
               <a:rPr lang="en-US" smtClean="0"/>
-              <a:t>4/18/2022</a:t>
+              <a:t>4/22/2022</a:t>
             </a:fld>
             <a:endParaRPr lang="en-US"/>
           </a:p>
@@ -3723,7 +3723,7 @@
           <a:p>
             <a:fld id="{1E701332-7B78-47F5-85AF-A11E9833A56E}" type="datetimeFigureOut">
               <a:rPr lang="en-US" smtClean="0"/>
-              <a:t>4/18/2022</a:t>
+              <a:t>4/22/2022</a:t>
             </a:fld>
             <a:endParaRPr lang="en-US"/>
           </a:p>
@@ -4162,14 +4162,21 @@
           <a:lstStyle/>
           <a:p>
             <a:r>
-              <a:rPr lang="en-US" altLang="ja-JP"/>
+              <a:rPr lang="en-US" altLang="ja-JP" dirty="0"/>
               <a:t>purr::map</a:t>
             </a:r>
             <a:r>
-              <a:rPr lang="ja-JP" altLang="en-US"/>
-              <a:t>でちょっと幸せになる前処理</a:t>
-            </a:r>
-            <a:endParaRPr lang="en-US"/>
+              <a:rPr lang="ja-JP" altLang="en-US" dirty="0"/>
+              <a:t>を使った</a:t>
+            </a:r>
+            <a:br>
+              <a:rPr lang="en-US" altLang="ja-JP" dirty="0"/>
+            </a:br>
+            <a:r>
+              <a:rPr lang="ja-JP" altLang="en-US" dirty="0"/>
+              <a:t>前処理のアイデア</a:t>
+            </a:r>
+            <a:endParaRPr lang="en-US" dirty="0"/>
           </a:p>
         </p:txBody>
       </p:sp>
@@ -4283,52 +4290,52 @@
           <a:lstStyle/>
           <a:p>
             <a:r>
-              <a:rPr lang="ja-JP" altLang="en-US"/>
+              <a:rPr lang="ja-JP" altLang="en-US" dirty="0"/>
               <a:t>某企業の専属産業医をやってます</a:t>
             </a:r>
-            <a:endParaRPr lang="en-US" altLang="ja-JP"/>
-          </a:p>
-          <a:p>
-            <a:r>
-              <a:rPr lang="ja-JP" altLang="en-US"/>
+            <a:endParaRPr lang="en-US" altLang="ja-JP" dirty="0"/>
+          </a:p>
+          <a:p>
+            <a:r>
+              <a:rPr lang="ja-JP" altLang="en-US" dirty="0"/>
               <a:t>他にも某医療データ扱うベンチャーでデータクリーニングしたり、</a:t>
             </a:r>
             <a:r>
-              <a:rPr lang="en-US" altLang="ja-JP"/>
+              <a:rPr lang="en-US" altLang="ja-JP" dirty="0"/>
               <a:t>shiny</a:t>
             </a:r>
             <a:r>
-              <a:rPr lang="ja-JP" altLang="en-US"/>
+              <a:rPr lang="ja-JP" altLang="en-US" dirty="0"/>
               <a:t>で業務用アプリを作ったり・・・</a:t>
             </a:r>
-            <a:endParaRPr lang="en-US" altLang="ja-JP"/>
-          </a:p>
-          <a:p>
-            <a:r>
-              <a:rPr lang="ja-JP" altLang="en-US"/>
-              <a:t>大学院で研究もちょこっとやっています</a:t>
-            </a:r>
-            <a:endParaRPr lang="en-US" altLang="ja-JP"/>
+            <a:endParaRPr lang="en-US" altLang="ja-JP" dirty="0"/>
+          </a:p>
+          <a:p>
+            <a:r>
+              <a:rPr lang="ja-JP" altLang="en-US" dirty="0"/>
+              <a:t>大学院生として研究もちょこっとやっています</a:t>
+            </a:r>
+            <a:endParaRPr lang="en-US" altLang="ja-JP" dirty="0"/>
           </a:p>
           <a:p>
             <a:pPr marL="0" indent="0">
               <a:buNone/>
             </a:pPr>
-            <a:endParaRPr lang="en-US"/>
+            <a:endParaRPr lang="en-US" dirty="0"/>
           </a:p>
           <a:p>
             <a:pPr marL="0" indent="0">
               <a:buNone/>
             </a:pPr>
             <a:r>
-              <a:rPr lang="en-US" altLang="ja-JP"/>
+              <a:rPr lang="en-US" altLang="ja-JP" dirty="0"/>
               <a:t>R</a:t>
             </a:r>
             <a:r>
-              <a:rPr lang="ja-JP" altLang="en-US"/>
+              <a:rPr lang="ja-JP" altLang="en-US" dirty="0"/>
               <a:t>は独学です。</a:t>
             </a:r>
-            <a:endParaRPr lang="en-US"/>
+            <a:endParaRPr lang="en-US" dirty="0"/>
           </a:p>
         </p:txBody>
       </p:sp>
